--- a/documents/projektmunka.pptx
+++ b/documents/projektmunka.pptx
@@ -9,6 +9,8 @@
     <p:sldId id="257" r:id="rId3"/>
     <p:sldId id="260" r:id="rId4"/>
     <p:sldId id="259" r:id="rId5"/>
+    <p:sldId id="261" r:id="rId6"/>
+    <p:sldId id="262" r:id="rId7"/>
   </p:sldIdLst>
   <p:sldSz cx="12192000" cy="6858000"/>
   <p:notesSz cx="6858000" cy="9144000"/>
@@ -107,6 +109,11 @@
       </a:defRPr>
     </a:lvl9pPr>
   </p:defaultTextStyle>
+  <p:extLst>
+    <p:ext uri="{EFAFB233-063F-42B5-8137-9DF3F51BA10A}">
+      <p15:sldGuideLst xmlns:p15="http://schemas.microsoft.com/office/powerpoint/2012/main"/>
+    </p:ext>
+  </p:extLst>
 </p:presentation>
 </file>
 
@@ -3310,6 +3317,14 @@
 <file path=ppt/slides/slide1.xml><?xml version="1.0" encoding="utf-8"?>
 <p:sld xmlns:a="http://schemas.openxmlformats.org/drawingml/2006/main" xmlns:r="http://schemas.openxmlformats.org/officeDocument/2006/relationships" xmlns:p="http://schemas.openxmlformats.org/presentationml/2006/main">
   <p:cSld>
+    <p:bg>
+      <p:bgPr>
+        <a:solidFill>
+          <a:srgbClr val="262626"/>
+        </a:solidFill>
+        <a:effectLst/>
+      </p:bgPr>
+    </p:bg>
     <p:spTree>
       <p:nvGrpSpPr>
         <p:cNvPr id="1" name=""/>
@@ -3340,19 +3355,30 @@
             <p:ph type="ctrTitle"/>
           </p:nvPr>
         </p:nvSpPr>
-        <p:spPr/>
+        <p:spPr>
+          <a:xfrm>
+            <a:off x="1524000" y="1312863"/>
+            <a:ext cx="9144000" cy="2387600"/>
+          </a:xfrm>
+        </p:spPr>
         <p:txBody>
           <a:bodyPr/>
           <a:lstStyle/>
           <a:p>
             <a:r>
               <a:rPr lang="hu-HU" b="1" dirty="0">
+                <a:solidFill>
+                  <a:schemeClr val="bg1"/>
+                </a:solidFill>
                 <a:latin typeface="Fira Mono Medium" panose="020B0609050000020004" pitchFamily="49" charset="0"/>
                 <a:ea typeface="Fira Mono Medium" panose="020B0609050000020004" pitchFamily="49" charset="0"/>
               </a:rPr>
               <a:t>2023/24 Projektmunka I.</a:t>
             </a:r>
             <a:endParaRPr lang="hu-HU" dirty="0">
+              <a:solidFill>
+                <a:schemeClr val="bg1"/>
+              </a:solidFill>
               <a:latin typeface="Fira Mono Medium" panose="020B0609050000020004" pitchFamily="49" charset="0"/>
               <a:ea typeface="Fira Mono Medium" panose="020B0609050000020004" pitchFamily="49" charset="0"/>
             </a:endParaRPr>
@@ -3375,17 +3401,25 @@
             <p:ph type="subTitle" idx="1"/>
           </p:nvPr>
         </p:nvSpPr>
-        <p:spPr/>
+        <p:spPr>
+          <a:xfrm>
+            <a:off x="1600200" y="4717256"/>
+            <a:ext cx="9144000" cy="1655762"/>
+          </a:xfrm>
+        </p:spPr>
         <p:txBody>
           <a:bodyPr/>
           <a:lstStyle/>
           <a:p>
             <a:r>
               <a:rPr lang="hu-HU" dirty="0">
+                <a:solidFill>
+                  <a:schemeClr val="bg1"/>
+                </a:solidFill>
                 <a:latin typeface="Fira Mono Medium" panose="020B0609050000020004" pitchFamily="49" charset="0"/>
                 <a:ea typeface="Fira Mono Medium" panose="020B0609050000020004" pitchFamily="49" charset="0"/>
               </a:rPr>
-              <a:t>Szlonkai Benedek, Kolozsvári Barnabás</a:t>
+              <a:t>Kolozsvári Barnabás, Szlonkai Benedek</a:t>
             </a:r>
           </a:p>
         </p:txBody>
@@ -3409,6 +3443,14 @@
 <file path=ppt/slides/slide2.xml><?xml version="1.0" encoding="utf-8"?>
 <p:sld xmlns:a="http://schemas.openxmlformats.org/drawingml/2006/main" xmlns:r="http://schemas.openxmlformats.org/officeDocument/2006/relationships" xmlns:p="http://schemas.openxmlformats.org/presentationml/2006/main">
   <p:cSld>
+    <p:bg>
+      <p:bgPr>
+        <a:solidFill>
+          <a:srgbClr val="262626"/>
+        </a:solidFill>
+        <a:effectLst/>
+      </p:bgPr>
+    </p:bg>
     <p:spTree>
       <p:nvGrpSpPr>
         <p:cNvPr id="1" name=""/>
@@ -3446,6 +3488,9 @@
           <a:p>
             <a:r>
               <a:rPr lang="hu-HU" dirty="0">
+                <a:solidFill>
+                  <a:schemeClr val="bg1"/>
+                </a:solidFill>
                 <a:latin typeface="Fira Mono Medium" panose="020B0609050000020004" pitchFamily="49" charset="0"/>
                 <a:ea typeface="Fira Mono Medium" panose="020B0609050000020004" pitchFamily="49" charset="0"/>
               </a:rPr>
@@ -3476,7 +3521,11 @@
           <a:lstStyle/>
           <a:p>
             <a:r>
-              <a:rPr lang="hu-HU" dirty="0"/>
+              <a:rPr lang="hu-HU" dirty="0">
+                <a:solidFill>
+                  <a:schemeClr val="bg1"/>
+                </a:solidFill>
+              </a:rPr>
               <a:t>Egyszerű navigálás</a:t>
             </a:r>
           </a:p>
@@ -3803,7 +3852,7 @@
             <a:pPr algn="ctr"/>
             <a:endParaRPr lang="hu-HU">
               <a:solidFill>
-                <a:schemeClr val="tx1"/>
+                <a:schemeClr val="bg1"/>
               </a:solidFill>
             </a:endParaRPr>
           </a:p>
@@ -3863,7 +3912,7 @@
             <a:pPr algn="ctr"/>
             <a:endParaRPr lang="hu-HU">
               <a:solidFill>
-                <a:schemeClr val="tx1"/>
+                <a:schemeClr val="bg1"/>
               </a:solidFill>
             </a:endParaRPr>
           </a:p>
@@ -3888,6 +3937,14 @@
 <file path=ppt/slides/slide3.xml><?xml version="1.0" encoding="utf-8"?>
 <p:sld xmlns:a="http://schemas.openxmlformats.org/drawingml/2006/main" xmlns:r="http://schemas.openxmlformats.org/officeDocument/2006/relationships" xmlns:p="http://schemas.openxmlformats.org/presentationml/2006/main">
   <p:cSld>
+    <p:bg>
+      <p:bgPr>
+        <a:solidFill>
+          <a:srgbClr val="262626"/>
+        </a:solidFill>
+        <a:effectLst/>
+      </p:bgPr>
+    </p:bg>
     <p:spTree>
       <p:nvGrpSpPr>
         <p:cNvPr id="1" name=""/>
@@ -3925,6 +3982,9 @@
           <a:p>
             <a:r>
               <a:rPr lang="hu-HU" dirty="0">
+                <a:solidFill>
+                  <a:schemeClr val="bg1"/>
+                </a:solidFill>
                 <a:latin typeface="Fira Mono Medium" panose="020B0609050000020004" pitchFamily="49" charset="0"/>
                 <a:ea typeface="Fira Mono Medium" panose="020B0609050000020004" pitchFamily="49" charset="0"/>
               </a:rPr>
@@ -3955,21 +4015,37 @@
           <a:lstStyle/>
           <a:p>
             <a:r>
-              <a:rPr lang="hu-HU" dirty="0"/>
+              <a:rPr lang="hu-HU" dirty="0">
+                <a:solidFill>
+                  <a:schemeClr val="bg1"/>
+                </a:solidFill>
+              </a:rPr>
               <a:t>Bemeneti hibák ellenőrzése </a:t>
             </a:r>
           </a:p>
           <a:p>
             <a:r>
-              <a:rPr lang="hu-HU" dirty="0"/>
+              <a:rPr lang="hu-HU" dirty="0">
+                <a:solidFill>
+                  <a:schemeClr val="bg1"/>
+                </a:solidFill>
+              </a:rPr>
               <a:t>Listából választható számrendszerek</a:t>
             </a:r>
           </a:p>
           <a:p>
-            <a:endParaRPr lang="hu-HU" dirty="0"/>
-          </a:p>
-          <a:p>
-            <a:endParaRPr lang="hu-HU" dirty="0"/>
+            <a:endParaRPr lang="hu-HU" dirty="0">
+              <a:solidFill>
+                <a:schemeClr val="bg1"/>
+              </a:solidFill>
+            </a:endParaRPr>
+          </a:p>
+          <a:p>
+            <a:endParaRPr lang="hu-HU" dirty="0">
+              <a:solidFill>
+                <a:schemeClr val="bg1"/>
+              </a:solidFill>
+            </a:endParaRPr>
           </a:p>
         </p:txBody>
       </p:sp>
@@ -4196,6 +4272,9 @@
             <a:pPr algn="ctr"/>
             <a:r>
               <a:rPr lang="hu-HU" sz="1200" dirty="0">
+                <a:solidFill>
+                  <a:schemeClr val="bg1"/>
+                </a:solidFill>
                 <a:latin typeface="Fira Mono Medium" panose="020B0609050000020004" pitchFamily="49" charset="0"/>
                 <a:ea typeface="Fira Mono Medium" panose="020B0609050000020004" pitchFamily="49" charset="0"/>
               </a:rPr>
@@ -4235,6 +4314,9 @@
             <a:pPr algn="ctr"/>
             <a:r>
               <a:rPr lang="hu-HU" sz="1200" dirty="0">
+                <a:solidFill>
+                  <a:schemeClr val="bg1"/>
+                </a:solidFill>
                 <a:latin typeface="Fira Mono Medium" panose="020B0609050000020004" pitchFamily="49" charset="0"/>
                 <a:ea typeface="Fira Mono Medium" panose="020B0609050000020004" pitchFamily="49" charset="0"/>
               </a:rPr>
@@ -4274,6 +4356,9 @@
             <a:pPr algn="ctr"/>
             <a:r>
               <a:rPr lang="hu-HU" sz="1200" dirty="0">
+                <a:solidFill>
+                  <a:schemeClr val="bg1"/>
+                </a:solidFill>
                 <a:latin typeface="Fira Mono Medium" panose="020B0609050000020004" pitchFamily="49" charset="0"/>
                 <a:ea typeface="Fira Mono Medium" panose="020B0609050000020004" pitchFamily="49" charset="0"/>
               </a:rPr>
@@ -4313,6 +4398,9 @@
             <a:pPr algn="ctr"/>
             <a:r>
               <a:rPr lang="hu-HU" sz="1200" dirty="0">
+                <a:solidFill>
+                  <a:schemeClr val="bg1"/>
+                </a:solidFill>
                 <a:latin typeface="Fira Mono Medium" panose="020B0609050000020004" pitchFamily="49" charset="0"/>
                 <a:ea typeface="Fira Mono Medium" panose="020B0609050000020004" pitchFamily="49" charset="0"/>
               </a:rPr>
@@ -4440,6 +4528,9 @@
             <a:pPr algn="ctr"/>
             <a:r>
               <a:rPr lang="hu-HU" sz="1200" dirty="0">
+                <a:solidFill>
+                  <a:schemeClr val="bg1"/>
+                </a:solidFill>
                 <a:latin typeface="Fira Mono Medium" panose="020B0609050000020004" pitchFamily="49" charset="0"/>
                 <a:ea typeface="Fira Mono Medium" panose="020B0609050000020004" pitchFamily="49" charset="0"/>
               </a:rPr>
@@ -4479,6 +4570,9 @@
             <a:pPr algn="ctr"/>
             <a:r>
               <a:rPr lang="hu-HU" sz="1200" dirty="0">
+                <a:solidFill>
+                  <a:schemeClr val="bg1"/>
+                </a:solidFill>
                 <a:latin typeface="Fira Mono Medium" panose="020B0609050000020004" pitchFamily="49" charset="0"/>
                 <a:ea typeface="Fira Mono Medium" panose="020B0609050000020004" pitchFamily="49" charset="0"/>
               </a:rPr>
@@ -4550,6 +4644,14 @@
 <file path=ppt/slides/slide4.xml><?xml version="1.0" encoding="utf-8"?>
 <p:sld xmlns:a="http://schemas.openxmlformats.org/drawingml/2006/main" xmlns:r="http://schemas.openxmlformats.org/officeDocument/2006/relationships" xmlns:p="http://schemas.openxmlformats.org/presentationml/2006/main">
   <p:cSld>
+    <p:bg>
+      <p:bgPr>
+        <a:solidFill>
+          <a:srgbClr val="262626"/>
+        </a:solidFill>
+        <a:effectLst/>
+      </p:bgPr>
+    </p:bg>
     <p:spTree>
       <p:nvGrpSpPr>
         <p:cNvPr id="1" name=""/>
@@ -4587,6 +4689,9 @@
           <a:p>
             <a:r>
               <a:rPr lang="hu-HU" dirty="0">
+                <a:solidFill>
+                  <a:schemeClr val="bg1"/>
+                </a:solidFill>
                 <a:latin typeface="Fira Mono Medium" panose="020B0609050000020004" pitchFamily="49" charset="0"/>
                 <a:ea typeface="Fira Mono Medium" panose="020B0609050000020004" pitchFamily="49" charset="0"/>
               </a:rPr>
@@ -4617,33 +4722,1118 @@
           <a:lstStyle/>
           <a:p>
             <a:r>
-              <a:rPr lang="hu-HU" dirty="0"/>
+              <a:rPr lang="hu-HU" dirty="0">
+                <a:solidFill>
+                  <a:schemeClr val="bg1"/>
+                </a:solidFill>
+              </a:rPr>
               <a:t>Bemeneti hibák ellenőrzése</a:t>
             </a:r>
           </a:p>
           <a:p>
             <a:r>
-              <a:rPr lang="hu-HU" dirty="0"/>
-              <a:t>Listából választható számrendszerek</a:t>
-            </a:r>
-            <a:r>
-              <a:rPr lang="hu-HU"/>
-              <a:t>, műveletek</a:t>
-            </a:r>
+              <a:rPr lang="hu-HU" dirty="0">
+                <a:solidFill>
+                  <a:schemeClr val="bg1"/>
+                </a:solidFill>
+              </a:rPr>
+              <a:t>Listából választható számrendszerek, műveletek</a:t>
+            </a:r>
+          </a:p>
+          <a:p>
             <a:endParaRPr lang="hu-HU" dirty="0"/>
           </a:p>
           <a:p>
             <a:endParaRPr lang="hu-HU" dirty="0"/>
           </a:p>
-          <a:p>
-            <a:endParaRPr lang="hu-HU" dirty="0"/>
-          </a:p>
-        </p:txBody>
-      </p:sp>
+        </p:txBody>
+      </p:sp>
+      <p:grpSp>
+        <p:nvGrpSpPr>
+          <p:cNvPr id="25" name="Csoportba foglalás 24">
+            <a:extLst>
+              <a:ext uri="{FF2B5EF4-FFF2-40B4-BE49-F238E27FC236}">
+                <a16:creationId xmlns:a16="http://schemas.microsoft.com/office/drawing/2014/main" id="{D56FCB88-6B5F-4344-9B0A-0AC68A3A0B4C}"/>
+              </a:ext>
+            </a:extLst>
+          </p:cNvPr>
+          <p:cNvGrpSpPr/>
+          <p:nvPr/>
+        </p:nvGrpSpPr>
+        <p:grpSpPr>
+          <a:xfrm>
+            <a:off x="3337951" y="3429000"/>
+            <a:ext cx="5855901" cy="2908420"/>
+            <a:chOff x="3337951" y="3429000"/>
+            <a:chExt cx="5855901" cy="2908420"/>
+          </a:xfrm>
+        </p:grpSpPr>
+        <p:pic>
+          <p:nvPicPr>
+            <p:cNvPr id="4" name="Kép 3">
+              <a:extLst>
+                <a:ext uri="{FF2B5EF4-FFF2-40B4-BE49-F238E27FC236}">
+                  <a16:creationId xmlns:a16="http://schemas.microsoft.com/office/drawing/2014/main" id="{E5FA014B-6F8E-46E6-A69A-8E5B1DF6E329}"/>
+                </a:ext>
+              </a:extLst>
+            </p:cNvPr>
+            <p:cNvPicPr>
+              <a:picLocks noChangeAspect="1"/>
+            </p:cNvPicPr>
+            <p:nvPr/>
+          </p:nvPicPr>
+          <p:blipFill>
+            <a:blip r:embed="rId2"/>
+            <a:stretch>
+              <a:fillRect/>
+            </a:stretch>
+          </p:blipFill>
+          <p:spPr>
+            <a:xfrm>
+              <a:off x="3337951" y="3429000"/>
+              <a:ext cx="5516098" cy="1684800"/>
+            </a:xfrm>
+            <a:prstGeom prst="rect">
+              <a:avLst/>
+            </a:prstGeom>
+          </p:spPr>
+        </p:pic>
+        <p:cxnSp>
+          <p:nvCxnSpPr>
+            <p:cNvPr id="5" name="Egyenes összekötő nyíllal 4">
+              <a:extLst>
+                <a:ext uri="{FF2B5EF4-FFF2-40B4-BE49-F238E27FC236}">
+                  <a16:creationId xmlns:a16="http://schemas.microsoft.com/office/drawing/2014/main" id="{FF203D68-FD85-4FE3-AC92-2C44A2209DF2}"/>
+                </a:ext>
+              </a:extLst>
+            </p:cNvPr>
+            <p:cNvCxnSpPr>
+              <a:cxnSpLocks/>
+            </p:cNvCxnSpPr>
+            <p:nvPr/>
+          </p:nvCxnSpPr>
+          <p:spPr>
+            <a:xfrm>
+              <a:off x="3910541" y="4705052"/>
+              <a:ext cx="0" cy="666750"/>
+            </a:xfrm>
+            <a:prstGeom prst="straightConnector1">
+              <a:avLst/>
+            </a:prstGeom>
+            <a:ln w="34925">
+              <a:solidFill>
+                <a:srgbClr val="FF0000"/>
+              </a:solidFill>
+              <a:tailEnd type="triangle"/>
+            </a:ln>
+          </p:spPr>
+          <p:style>
+            <a:lnRef idx="1">
+              <a:schemeClr val="accent1"/>
+            </a:lnRef>
+            <a:fillRef idx="0">
+              <a:schemeClr val="accent1"/>
+            </a:fillRef>
+            <a:effectRef idx="0">
+              <a:schemeClr val="accent1"/>
+            </a:effectRef>
+            <a:fontRef idx="minor">
+              <a:schemeClr val="tx1"/>
+            </a:fontRef>
+          </p:style>
+        </p:cxnSp>
+        <p:cxnSp>
+          <p:nvCxnSpPr>
+            <p:cNvPr id="6" name="Egyenes összekötő nyíllal 5">
+              <a:extLst>
+                <a:ext uri="{FF2B5EF4-FFF2-40B4-BE49-F238E27FC236}">
+                  <a16:creationId xmlns:a16="http://schemas.microsoft.com/office/drawing/2014/main" id="{E9BDC705-F1C5-49F2-B338-59B55F6DC13D}"/>
+                </a:ext>
+              </a:extLst>
+            </p:cNvPr>
+            <p:cNvCxnSpPr>
+              <a:cxnSpLocks/>
+            </p:cNvCxnSpPr>
+            <p:nvPr/>
+          </p:nvCxnSpPr>
+          <p:spPr>
+            <a:xfrm>
+              <a:off x="5934075" y="4714563"/>
+              <a:ext cx="0" cy="666750"/>
+            </a:xfrm>
+            <a:prstGeom prst="straightConnector1">
+              <a:avLst/>
+            </a:prstGeom>
+            <a:ln w="34925">
+              <a:solidFill>
+                <a:srgbClr val="FF0000"/>
+              </a:solidFill>
+              <a:tailEnd type="triangle"/>
+            </a:ln>
+          </p:spPr>
+          <p:style>
+            <a:lnRef idx="1">
+              <a:schemeClr val="accent1"/>
+            </a:lnRef>
+            <a:fillRef idx="0">
+              <a:schemeClr val="accent1"/>
+            </a:fillRef>
+            <a:effectRef idx="0">
+              <a:schemeClr val="accent1"/>
+            </a:effectRef>
+            <a:fontRef idx="minor">
+              <a:schemeClr val="tx1"/>
+            </a:fontRef>
+          </p:style>
+        </p:cxnSp>
+        <p:cxnSp>
+          <p:nvCxnSpPr>
+            <p:cNvPr id="7" name="Egyenes összekötő nyíllal 6">
+              <a:extLst>
+                <a:ext uri="{FF2B5EF4-FFF2-40B4-BE49-F238E27FC236}">
+                  <a16:creationId xmlns:a16="http://schemas.microsoft.com/office/drawing/2014/main" id="{5ED5CB45-AAAF-4F2C-8C53-EB1C179FC948}"/>
+                </a:ext>
+              </a:extLst>
+            </p:cNvPr>
+            <p:cNvCxnSpPr>
+              <a:cxnSpLocks/>
+            </p:cNvCxnSpPr>
+            <p:nvPr/>
+          </p:nvCxnSpPr>
+          <p:spPr>
+            <a:xfrm>
+              <a:off x="7856009" y="4714563"/>
+              <a:ext cx="0" cy="666750"/>
+            </a:xfrm>
+            <a:prstGeom prst="straightConnector1">
+              <a:avLst/>
+            </a:prstGeom>
+            <a:ln w="34925">
+              <a:solidFill>
+                <a:srgbClr val="FF0000"/>
+              </a:solidFill>
+              <a:tailEnd type="triangle"/>
+            </a:ln>
+          </p:spPr>
+          <p:style>
+            <a:lnRef idx="1">
+              <a:schemeClr val="accent1"/>
+            </a:lnRef>
+            <a:fillRef idx="0">
+              <a:schemeClr val="accent1"/>
+            </a:fillRef>
+            <a:effectRef idx="0">
+              <a:schemeClr val="accent1"/>
+            </a:effectRef>
+            <a:fontRef idx="minor">
+              <a:schemeClr val="tx1"/>
+            </a:fontRef>
+          </p:style>
+        </p:cxnSp>
+        <p:cxnSp>
+          <p:nvCxnSpPr>
+            <p:cNvPr id="8" name="Egyenes összekötő nyíllal 7">
+              <a:extLst>
+                <a:ext uri="{FF2B5EF4-FFF2-40B4-BE49-F238E27FC236}">
+                  <a16:creationId xmlns:a16="http://schemas.microsoft.com/office/drawing/2014/main" id="{4D06E2BB-56DC-4C34-A3FD-3E7CF65D229F}"/>
+                </a:ext>
+              </a:extLst>
+            </p:cNvPr>
+            <p:cNvCxnSpPr>
+              <a:cxnSpLocks/>
+              <a:endCxn id="15" idx="0"/>
+            </p:cNvCxnSpPr>
+            <p:nvPr/>
+          </p:nvCxnSpPr>
+          <p:spPr>
+            <a:xfrm flipH="1">
+              <a:off x="4399602" y="4714563"/>
+              <a:ext cx="161926" cy="976526"/>
+            </a:xfrm>
+            <a:prstGeom prst="straightConnector1">
+              <a:avLst/>
+            </a:prstGeom>
+            <a:ln w="34925">
+              <a:solidFill>
+                <a:srgbClr val="FF0000"/>
+              </a:solidFill>
+              <a:tailEnd type="triangle"/>
+            </a:ln>
+          </p:spPr>
+          <p:style>
+            <a:lnRef idx="1">
+              <a:schemeClr val="accent1"/>
+            </a:lnRef>
+            <a:fillRef idx="0">
+              <a:schemeClr val="accent1"/>
+            </a:fillRef>
+            <a:effectRef idx="0">
+              <a:schemeClr val="accent1"/>
+            </a:effectRef>
+            <a:fontRef idx="minor">
+              <a:schemeClr val="tx1"/>
+            </a:fontRef>
+          </p:style>
+        </p:cxnSp>
+        <p:cxnSp>
+          <p:nvCxnSpPr>
+            <p:cNvPr id="9" name="Egyenes összekötő nyíllal 8">
+              <a:extLst>
+                <a:ext uri="{FF2B5EF4-FFF2-40B4-BE49-F238E27FC236}">
+                  <a16:creationId xmlns:a16="http://schemas.microsoft.com/office/drawing/2014/main" id="{9CCBBB70-A47C-468A-A7B4-87F53B7A3AD8}"/>
+                </a:ext>
+              </a:extLst>
+            </p:cNvPr>
+            <p:cNvCxnSpPr>
+              <a:cxnSpLocks/>
+              <a:endCxn id="17" idx="0"/>
+            </p:cNvCxnSpPr>
+            <p:nvPr/>
+          </p:nvCxnSpPr>
+          <p:spPr>
+            <a:xfrm>
+              <a:off x="5126138" y="4714563"/>
+              <a:ext cx="337391" cy="1120225"/>
+            </a:xfrm>
+            <a:prstGeom prst="straightConnector1">
+              <a:avLst/>
+            </a:prstGeom>
+            <a:ln w="34925">
+              <a:solidFill>
+                <a:srgbClr val="FF0000"/>
+              </a:solidFill>
+              <a:tailEnd type="triangle"/>
+            </a:ln>
+          </p:spPr>
+          <p:style>
+            <a:lnRef idx="1">
+              <a:schemeClr val="accent1"/>
+            </a:lnRef>
+            <a:fillRef idx="0">
+              <a:schemeClr val="accent1"/>
+            </a:fillRef>
+            <a:effectRef idx="0">
+              <a:schemeClr val="accent1"/>
+            </a:effectRef>
+            <a:fontRef idx="minor">
+              <a:schemeClr val="tx1"/>
+            </a:fontRef>
+          </p:style>
+        </p:cxnSp>
+        <p:cxnSp>
+          <p:nvCxnSpPr>
+            <p:cNvPr id="10" name="Egyenes összekötő nyíllal 9">
+              <a:extLst>
+                <a:ext uri="{FF2B5EF4-FFF2-40B4-BE49-F238E27FC236}">
+                  <a16:creationId xmlns:a16="http://schemas.microsoft.com/office/drawing/2014/main" id="{16E3513C-F5D8-4747-8CCA-73155D624213}"/>
+                </a:ext>
+              </a:extLst>
+            </p:cNvPr>
+            <p:cNvCxnSpPr>
+              <a:cxnSpLocks/>
+            </p:cNvCxnSpPr>
+            <p:nvPr/>
+          </p:nvCxnSpPr>
+          <p:spPr>
+            <a:xfrm>
+              <a:off x="6576594" y="4714563"/>
+              <a:ext cx="0" cy="925012"/>
+            </a:xfrm>
+            <a:prstGeom prst="straightConnector1">
+              <a:avLst/>
+            </a:prstGeom>
+            <a:ln w="34925">
+              <a:solidFill>
+                <a:srgbClr val="FF0000"/>
+              </a:solidFill>
+              <a:tailEnd type="triangle"/>
+            </a:ln>
+          </p:spPr>
+          <p:style>
+            <a:lnRef idx="1">
+              <a:schemeClr val="accent1"/>
+            </a:lnRef>
+            <a:fillRef idx="0">
+              <a:schemeClr val="accent1"/>
+            </a:fillRef>
+            <a:effectRef idx="0">
+              <a:schemeClr val="accent1"/>
+            </a:effectRef>
+            <a:fontRef idx="minor">
+              <a:schemeClr val="tx1"/>
+            </a:fontRef>
+          </p:style>
+        </p:cxnSp>
+        <p:cxnSp>
+          <p:nvCxnSpPr>
+            <p:cNvPr id="11" name="Egyenes összekötő nyíllal 10">
+              <a:extLst>
+                <a:ext uri="{FF2B5EF4-FFF2-40B4-BE49-F238E27FC236}">
+                  <a16:creationId xmlns:a16="http://schemas.microsoft.com/office/drawing/2014/main" id="{E98FA694-87E1-4A65-99FC-C1BE041930DF}"/>
+                </a:ext>
+              </a:extLst>
+            </p:cNvPr>
+            <p:cNvCxnSpPr>
+              <a:cxnSpLocks/>
+            </p:cNvCxnSpPr>
+            <p:nvPr/>
+          </p:nvCxnSpPr>
+          <p:spPr>
+            <a:xfrm>
+              <a:off x="8498527" y="4714563"/>
+              <a:ext cx="0" cy="925012"/>
+            </a:xfrm>
+            <a:prstGeom prst="straightConnector1">
+              <a:avLst/>
+            </a:prstGeom>
+            <a:ln w="34925">
+              <a:solidFill>
+                <a:srgbClr val="FF0000"/>
+              </a:solidFill>
+              <a:tailEnd type="triangle"/>
+            </a:ln>
+          </p:spPr>
+          <p:style>
+            <a:lnRef idx="1">
+              <a:schemeClr val="accent1"/>
+            </a:lnRef>
+            <a:fillRef idx="0">
+              <a:schemeClr val="accent1"/>
+            </a:fillRef>
+            <a:effectRef idx="0">
+              <a:schemeClr val="accent1"/>
+            </a:effectRef>
+            <a:fontRef idx="minor">
+              <a:schemeClr val="tx1"/>
+            </a:fontRef>
+          </p:style>
+        </p:cxnSp>
+        <p:sp>
+          <p:nvSpPr>
+            <p:cNvPr id="12" name="Szövegdoboz 11">
+              <a:extLst>
+                <a:ext uri="{FF2B5EF4-FFF2-40B4-BE49-F238E27FC236}">
+                  <a16:creationId xmlns:a16="http://schemas.microsoft.com/office/drawing/2014/main" id="{3ACD8D96-A577-4165-93E9-F282FD9FD918}"/>
+                </a:ext>
+              </a:extLst>
+            </p:cNvPr>
+            <p:cNvSpPr txBox="1"/>
+            <p:nvPr/>
+          </p:nvSpPr>
+          <p:spPr>
+            <a:xfrm>
+              <a:off x="3492798" y="5381313"/>
+              <a:ext cx="835485" cy="276999"/>
+            </a:xfrm>
+            <a:prstGeom prst="rect">
+              <a:avLst/>
+            </a:prstGeom>
+            <a:noFill/>
+          </p:spPr>
+          <p:txBody>
+            <a:bodyPr wrap="none" rtlCol="0">
+              <a:spAutoFit/>
+            </a:bodyPr>
+            <a:lstStyle/>
+            <a:p>
+              <a:r>
+                <a:rPr lang="hu-HU" sz="1200" dirty="0">
+                  <a:solidFill>
+                    <a:schemeClr val="bg1"/>
+                  </a:solidFill>
+                  <a:latin typeface="Fira Mono Medium" panose="020B0609050000020004" pitchFamily="49" charset="0"/>
+                  <a:ea typeface="Fira Mono Medium" panose="020B0609050000020004" pitchFamily="49" charset="0"/>
+                </a:rPr>
+                <a:t>Bemenet</a:t>
+              </a:r>
+            </a:p>
+          </p:txBody>
+        </p:sp>
+        <p:sp>
+          <p:nvSpPr>
+            <p:cNvPr id="13" name="Szövegdoboz 12">
+              <a:extLst>
+                <a:ext uri="{FF2B5EF4-FFF2-40B4-BE49-F238E27FC236}">
+                  <a16:creationId xmlns:a16="http://schemas.microsoft.com/office/drawing/2014/main" id="{DC6F3034-E5FB-4C03-AABF-6436A1D3B9B3}"/>
+                </a:ext>
+              </a:extLst>
+            </p:cNvPr>
+            <p:cNvSpPr txBox="1"/>
+            <p:nvPr/>
+          </p:nvSpPr>
+          <p:spPr>
+            <a:xfrm>
+              <a:off x="5501128" y="5381313"/>
+              <a:ext cx="835485" cy="276999"/>
+            </a:xfrm>
+            <a:prstGeom prst="rect">
+              <a:avLst/>
+            </a:prstGeom>
+            <a:noFill/>
+          </p:spPr>
+          <p:txBody>
+            <a:bodyPr wrap="none" rtlCol="0">
+              <a:spAutoFit/>
+            </a:bodyPr>
+            <a:lstStyle/>
+            <a:p>
+              <a:r>
+                <a:rPr lang="hu-HU" sz="1200" dirty="0">
+                  <a:solidFill>
+                    <a:schemeClr val="bg1"/>
+                  </a:solidFill>
+                  <a:latin typeface="Fira Mono Medium" panose="020B0609050000020004" pitchFamily="49" charset="0"/>
+                  <a:ea typeface="Fira Mono Medium" panose="020B0609050000020004" pitchFamily="49" charset="0"/>
+                </a:rPr>
+                <a:t>Bemenet</a:t>
+              </a:r>
+            </a:p>
+          </p:txBody>
+        </p:sp>
+        <p:sp>
+          <p:nvSpPr>
+            <p:cNvPr id="14" name="Szövegdoboz 13">
+              <a:extLst>
+                <a:ext uri="{FF2B5EF4-FFF2-40B4-BE49-F238E27FC236}">
+                  <a16:creationId xmlns:a16="http://schemas.microsoft.com/office/drawing/2014/main" id="{53A9D506-20C1-43E8-A429-85EA0F56BF5D}"/>
+                </a:ext>
+              </a:extLst>
+            </p:cNvPr>
+            <p:cNvSpPr txBox="1"/>
+            <p:nvPr/>
+          </p:nvSpPr>
+          <p:spPr>
+            <a:xfrm>
+              <a:off x="7438265" y="5381313"/>
+              <a:ext cx="835485" cy="276999"/>
+            </a:xfrm>
+            <a:prstGeom prst="rect">
+              <a:avLst/>
+            </a:prstGeom>
+            <a:noFill/>
+          </p:spPr>
+          <p:txBody>
+            <a:bodyPr wrap="none" rtlCol="0">
+              <a:spAutoFit/>
+            </a:bodyPr>
+            <a:lstStyle/>
+            <a:p>
+              <a:r>
+                <a:rPr lang="hu-HU" sz="1200" dirty="0">
+                  <a:solidFill>
+                    <a:schemeClr val="bg1"/>
+                  </a:solidFill>
+                  <a:latin typeface="Fira Mono Medium" panose="020B0609050000020004" pitchFamily="49" charset="0"/>
+                  <a:ea typeface="Fira Mono Medium" panose="020B0609050000020004" pitchFamily="49" charset="0"/>
+                </a:rPr>
+                <a:t>Kimenet</a:t>
+              </a:r>
+            </a:p>
+          </p:txBody>
+        </p:sp>
+        <p:sp>
+          <p:nvSpPr>
+            <p:cNvPr id="15" name="Szövegdoboz 14">
+              <a:extLst>
+                <a:ext uri="{FF2B5EF4-FFF2-40B4-BE49-F238E27FC236}">
+                  <a16:creationId xmlns:a16="http://schemas.microsoft.com/office/drawing/2014/main" id="{C25633D3-2D92-447B-8162-EF3252E7A0CC}"/>
+                </a:ext>
+              </a:extLst>
+            </p:cNvPr>
+            <p:cNvSpPr txBox="1"/>
+            <p:nvPr/>
+          </p:nvSpPr>
+          <p:spPr>
+            <a:xfrm>
+              <a:off x="3704277" y="5691089"/>
+              <a:ext cx="1390650" cy="646331"/>
+            </a:xfrm>
+            <a:prstGeom prst="rect">
+              <a:avLst/>
+            </a:prstGeom>
+            <a:noFill/>
+          </p:spPr>
+          <p:txBody>
+            <a:bodyPr wrap="square" rtlCol="0">
+              <a:spAutoFit/>
+            </a:bodyPr>
+            <a:lstStyle/>
+            <a:p>
+              <a:pPr algn="ctr"/>
+              <a:r>
+                <a:rPr lang="hu-HU" sz="1200" dirty="0">
+                  <a:solidFill>
+                    <a:schemeClr val="bg1"/>
+                  </a:solidFill>
+                  <a:latin typeface="Fira Mono Medium" panose="020B0609050000020004" pitchFamily="49" charset="0"/>
+                  <a:ea typeface="Fira Mono Medium" panose="020B0609050000020004" pitchFamily="49" charset="0"/>
+                </a:rPr>
+                <a:t>Bemeneti számrendszer lista</a:t>
+              </a:r>
+            </a:p>
+          </p:txBody>
+        </p:sp>
+        <p:sp>
+          <p:nvSpPr>
+            <p:cNvPr id="17" name="Szövegdoboz 16">
+              <a:extLst>
+                <a:ext uri="{FF2B5EF4-FFF2-40B4-BE49-F238E27FC236}">
+                  <a16:creationId xmlns:a16="http://schemas.microsoft.com/office/drawing/2014/main" id="{6554CB58-B721-4CD6-A060-A42D6F387DA7}"/>
+                </a:ext>
+              </a:extLst>
+            </p:cNvPr>
+            <p:cNvSpPr txBox="1"/>
+            <p:nvPr/>
+          </p:nvSpPr>
+          <p:spPr>
+            <a:xfrm>
+              <a:off x="4768204" y="5834788"/>
+              <a:ext cx="1390650" cy="461665"/>
+            </a:xfrm>
+            <a:prstGeom prst="rect">
+              <a:avLst/>
+            </a:prstGeom>
+            <a:noFill/>
+          </p:spPr>
+          <p:txBody>
+            <a:bodyPr wrap="square" rtlCol="0">
+              <a:spAutoFit/>
+            </a:bodyPr>
+            <a:lstStyle/>
+            <a:p>
+              <a:pPr algn="ctr"/>
+              <a:r>
+                <a:rPr lang="hu-HU" sz="1200" dirty="0">
+                  <a:solidFill>
+                    <a:schemeClr val="bg1"/>
+                  </a:solidFill>
+                  <a:latin typeface="Fira Mono Medium" panose="020B0609050000020004" pitchFamily="49" charset="0"/>
+                  <a:ea typeface="Fira Mono Medium" panose="020B0609050000020004" pitchFamily="49" charset="0"/>
+                </a:rPr>
+                <a:t>Művelet</a:t>
+              </a:r>
+              <a:r>
+                <a:rPr lang="hu-HU" sz="1200" dirty="0">
+                  <a:latin typeface="Fira Mono Medium" panose="020B0609050000020004" pitchFamily="49" charset="0"/>
+                  <a:ea typeface="Fira Mono Medium" panose="020B0609050000020004" pitchFamily="49" charset="0"/>
+                </a:rPr>
+                <a:t> </a:t>
+              </a:r>
+            </a:p>
+            <a:p>
+              <a:pPr algn="ctr"/>
+              <a:r>
+                <a:rPr lang="hu-HU" sz="1200" dirty="0">
+                  <a:solidFill>
+                    <a:schemeClr val="bg1"/>
+                  </a:solidFill>
+                  <a:latin typeface="Fira Mono Medium" panose="020B0609050000020004" pitchFamily="49" charset="0"/>
+                  <a:ea typeface="Fira Mono Medium" panose="020B0609050000020004" pitchFamily="49" charset="0"/>
+                </a:rPr>
+                <a:t>lista</a:t>
+              </a:r>
+            </a:p>
+          </p:txBody>
+        </p:sp>
+        <p:sp>
+          <p:nvSpPr>
+            <p:cNvPr id="21" name="Szövegdoboz 20">
+              <a:extLst>
+                <a:ext uri="{FF2B5EF4-FFF2-40B4-BE49-F238E27FC236}">
+                  <a16:creationId xmlns:a16="http://schemas.microsoft.com/office/drawing/2014/main" id="{20664756-63BF-4177-A98B-BDD0B618EC53}"/>
+                </a:ext>
+              </a:extLst>
+            </p:cNvPr>
+            <p:cNvSpPr txBox="1"/>
+            <p:nvPr/>
+          </p:nvSpPr>
+          <p:spPr>
+            <a:xfrm>
+              <a:off x="5848791" y="5691088"/>
+              <a:ext cx="1390650" cy="646331"/>
+            </a:xfrm>
+            <a:prstGeom prst="rect">
+              <a:avLst/>
+            </a:prstGeom>
+            <a:noFill/>
+          </p:spPr>
+          <p:txBody>
+            <a:bodyPr wrap="square" rtlCol="0">
+              <a:spAutoFit/>
+            </a:bodyPr>
+            <a:lstStyle/>
+            <a:p>
+              <a:pPr algn="ctr"/>
+              <a:r>
+                <a:rPr lang="hu-HU" sz="1200" dirty="0">
+                  <a:solidFill>
+                    <a:schemeClr val="bg1"/>
+                  </a:solidFill>
+                  <a:latin typeface="Fira Mono Medium" panose="020B0609050000020004" pitchFamily="49" charset="0"/>
+                  <a:ea typeface="Fira Mono Medium" panose="020B0609050000020004" pitchFamily="49" charset="0"/>
+                </a:rPr>
+                <a:t>Bemeneti számrendszer lista</a:t>
+              </a:r>
+            </a:p>
+          </p:txBody>
+        </p:sp>
+        <p:sp>
+          <p:nvSpPr>
+            <p:cNvPr id="24" name="Szövegdoboz 23">
+              <a:extLst>
+                <a:ext uri="{FF2B5EF4-FFF2-40B4-BE49-F238E27FC236}">
+                  <a16:creationId xmlns:a16="http://schemas.microsoft.com/office/drawing/2014/main" id="{416FEEA5-5B2D-4B14-A880-FA4178F57E8B}"/>
+                </a:ext>
+              </a:extLst>
+            </p:cNvPr>
+            <p:cNvSpPr txBox="1"/>
+            <p:nvPr/>
+          </p:nvSpPr>
+          <p:spPr>
+            <a:xfrm>
+              <a:off x="7803202" y="5691088"/>
+              <a:ext cx="1390650" cy="646331"/>
+            </a:xfrm>
+            <a:prstGeom prst="rect">
+              <a:avLst/>
+            </a:prstGeom>
+            <a:noFill/>
+          </p:spPr>
+          <p:txBody>
+            <a:bodyPr wrap="square" rtlCol="0">
+              <a:spAutoFit/>
+            </a:bodyPr>
+            <a:lstStyle/>
+            <a:p>
+              <a:pPr algn="ctr"/>
+              <a:r>
+                <a:rPr lang="hu-HU" sz="1200" dirty="0">
+                  <a:solidFill>
+                    <a:schemeClr val="bg1"/>
+                  </a:solidFill>
+                  <a:latin typeface="Fira Mono Medium" panose="020B0609050000020004" pitchFamily="49" charset="0"/>
+                  <a:ea typeface="Fira Mono Medium" panose="020B0609050000020004" pitchFamily="49" charset="0"/>
+                </a:rPr>
+                <a:t>Kimeneti számrendszer lista</a:t>
+              </a:r>
+            </a:p>
+          </p:txBody>
+        </p:sp>
+      </p:grpSp>
     </p:spTree>
     <p:extLst>
       <p:ext uri="{BB962C8B-B14F-4D97-AF65-F5344CB8AC3E}">
         <p14:creationId xmlns:p14="http://schemas.microsoft.com/office/powerpoint/2010/main" val="2492060425"/>
+      </p:ext>
+    </p:extLst>
+  </p:cSld>
+  <p:clrMapOvr>
+    <a:masterClrMapping/>
+  </p:clrMapOvr>
+  <p:transition spd="slow">
+    <p:push dir="u"/>
+  </p:transition>
+</p:sld>
+</file>
+
+<file path=ppt/slides/slide5.xml><?xml version="1.0" encoding="utf-8"?>
+<p:sld xmlns:a="http://schemas.openxmlformats.org/drawingml/2006/main" xmlns:r="http://schemas.openxmlformats.org/officeDocument/2006/relationships" xmlns:p="http://schemas.openxmlformats.org/presentationml/2006/main">
+  <p:cSld>
+    <p:bg>
+      <p:bgPr>
+        <a:solidFill>
+          <a:srgbClr val="262626"/>
+        </a:solidFill>
+        <a:effectLst/>
+      </p:bgPr>
+    </p:bg>
+    <p:spTree>
+      <p:nvGrpSpPr>
+        <p:cNvPr id="1" name=""/>
+        <p:cNvGrpSpPr/>
+        <p:nvPr/>
+      </p:nvGrpSpPr>
+      <p:grpSpPr>
+        <a:xfrm>
+          <a:off x="0" y="0"/>
+          <a:ext cx="0" cy="0"/>
+          <a:chOff x="0" y="0"/>
+          <a:chExt cx="0" cy="0"/>
+        </a:xfrm>
+      </p:grpSpPr>
+      <p:sp>
+        <p:nvSpPr>
+          <p:cNvPr id="2" name="Cím 1">
+            <a:extLst>
+              <a:ext uri="{FF2B5EF4-FFF2-40B4-BE49-F238E27FC236}">
+                <a16:creationId xmlns:a16="http://schemas.microsoft.com/office/drawing/2014/main" id="{E28BF76A-BA5D-4C7C-B0B1-95848B1CAA5F}"/>
+              </a:ext>
+            </a:extLst>
+          </p:cNvPr>
+          <p:cNvSpPr>
+            <a:spLocks noGrp="1"/>
+          </p:cNvSpPr>
+          <p:nvPr>
+            <p:ph type="title"/>
+          </p:nvPr>
+        </p:nvSpPr>
+        <p:spPr/>
+        <p:txBody>
+          <a:bodyPr/>
+          <a:lstStyle/>
+          <a:p>
+            <a:r>
+              <a:rPr lang="hu-HU" dirty="0">
+                <a:solidFill>
+                  <a:schemeClr val="bg1"/>
+                </a:solidFill>
+                <a:latin typeface="Fira Mono Medium" panose="020B0609050000020004" pitchFamily="49" charset="0"/>
+                <a:ea typeface="Fira Mono Medium" panose="020B0609050000020004" pitchFamily="49" charset="0"/>
+              </a:rPr>
+              <a:t>Program részletek</a:t>
+            </a:r>
+          </a:p>
+        </p:txBody>
+      </p:sp>
+      <p:pic>
+        <p:nvPicPr>
+          <p:cNvPr id="4" name="Tartalom helye 3">
+            <a:extLst>
+              <a:ext uri="{FF2B5EF4-FFF2-40B4-BE49-F238E27FC236}">
+                <a16:creationId xmlns:a16="http://schemas.microsoft.com/office/drawing/2014/main" id="{465AA783-80EB-4C8C-9780-C124BCA0D819}"/>
+              </a:ext>
+            </a:extLst>
+          </p:cNvPr>
+          <p:cNvPicPr>
+            <a:picLocks noGrp="1" noChangeAspect="1"/>
+          </p:cNvPicPr>
+          <p:nvPr>
+            <p:ph idx="1"/>
+          </p:nvPr>
+        </p:nvPicPr>
+        <p:blipFill>
+          <a:blip r:embed="rId2"/>
+          <a:stretch>
+            <a:fillRect/>
+          </a:stretch>
+        </p:blipFill>
+        <p:spPr>
+          <a:xfrm>
+            <a:off x="838199" y="1433513"/>
+            <a:ext cx="2292795" cy="4680000"/>
+          </a:xfrm>
+          <a:prstGeom prst="rect">
+            <a:avLst/>
+          </a:prstGeom>
+          <a:effectLst/>
+        </p:spPr>
+      </p:pic>
+      <p:pic>
+        <p:nvPicPr>
+          <p:cNvPr id="5" name="Kép 4">
+            <a:extLst>
+              <a:ext uri="{FF2B5EF4-FFF2-40B4-BE49-F238E27FC236}">
+                <a16:creationId xmlns:a16="http://schemas.microsoft.com/office/drawing/2014/main" id="{1BACC75D-952A-4CB9-B815-072E53F84260}"/>
+              </a:ext>
+            </a:extLst>
+          </p:cNvPr>
+          <p:cNvPicPr>
+            <a:picLocks noChangeAspect="1"/>
+          </p:cNvPicPr>
+          <p:nvPr/>
+        </p:nvPicPr>
+        <p:blipFill>
+          <a:blip r:embed="rId3"/>
+          <a:stretch>
+            <a:fillRect/>
+          </a:stretch>
+        </p:blipFill>
+        <p:spPr>
+          <a:xfrm>
+            <a:off x="4787006" y="1433513"/>
+            <a:ext cx="2167579" cy="4680000"/>
+          </a:xfrm>
+          <a:prstGeom prst="rect">
+            <a:avLst/>
+          </a:prstGeom>
+        </p:spPr>
+      </p:pic>
+      <p:pic>
+        <p:nvPicPr>
+          <p:cNvPr id="6" name="Kép 5">
+            <a:extLst>
+              <a:ext uri="{FF2B5EF4-FFF2-40B4-BE49-F238E27FC236}">
+                <a16:creationId xmlns:a16="http://schemas.microsoft.com/office/drawing/2014/main" id="{7F972914-BAE4-453E-AA03-1A614A1274DB}"/>
+              </a:ext>
+            </a:extLst>
+          </p:cNvPr>
+          <p:cNvPicPr>
+            <a:picLocks noChangeAspect="1"/>
+          </p:cNvPicPr>
+          <p:nvPr/>
+        </p:nvPicPr>
+        <p:blipFill rotWithShape="1">
+          <a:blip r:embed="rId4"/>
+          <a:srcRect b="22559"/>
+          <a:stretch/>
+        </p:blipFill>
+        <p:spPr>
+          <a:xfrm>
+            <a:off x="9101452" y="1433513"/>
+            <a:ext cx="2252348" cy="4680000"/>
+          </a:xfrm>
+          <a:prstGeom prst="rect">
+            <a:avLst/>
+          </a:prstGeom>
+        </p:spPr>
+      </p:pic>
+      <p:sp>
+        <p:nvSpPr>
+          <p:cNvPr id="7" name="Szövegdoboz 6">
+            <a:extLst>
+              <a:ext uri="{FF2B5EF4-FFF2-40B4-BE49-F238E27FC236}">
+                <a16:creationId xmlns:a16="http://schemas.microsoft.com/office/drawing/2014/main" id="{866D23D4-A50B-40D5-B85F-9F2681D1EAAA}"/>
+              </a:ext>
+            </a:extLst>
+          </p:cNvPr>
+          <p:cNvSpPr txBox="1"/>
+          <p:nvPr/>
+        </p:nvSpPr>
+        <p:spPr>
+          <a:xfrm>
+            <a:off x="838199" y="6262042"/>
+            <a:ext cx="2292794" cy="461665"/>
+          </a:xfrm>
+          <a:prstGeom prst="rect">
+            <a:avLst/>
+          </a:prstGeom>
+          <a:noFill/>
+        </p:spPr>
+        <p:txBody>
+          <a:bodyPr wrap="square" rtlCol="0">
+            <a:spAutoFit/>
+          </a:bodyPr>
+          <a:lstStyle/>
+          <a:p>
+            <a:pPr algn="ctr"/>
+            <a:r>
+              <a:rPr lang="hu-HU" sz="1200" dirty="0">
+                <a:solidFill>
+                  <a:schemeClr val="bg1"/>
+                </a:solidFill>
+                <a:latin typeface="Fira Mono Medium" panose="020B0609050000020004" pitchFamily="49" charset="0"/>
+                <a:ea typeface="Fira Mono Medium" panose="020B0609050000020004" pitchFamily="49" charset="0"/>
+              </a:rPr>
+              <a:t>Átváltás 10-es számrendszerbe</a:t>
+            </a:r>
+          </a:p>
+        </p:txBody>
+      </p:sp>
+      <p:sp>
+        <p:nvSpPr>
+          <p:cNvPr id="8" name="Szövegdoboz 7">
+            <a:extLst>
+              <a:ext uri="{FF2B5EF4-FFF2-40B4-BE49-F238E27FC236}">
+                <a16:creationId xmlns:a16="http://schemas.microsoft.com/office/drawing/2014/main" id="{FC4C0F05-B06F-4D8C-AFE2-A06A0C95B7C4}"/>
+              </a:ext>
+            </a:extLst>
+          </p:cNvPr>
+          <p:cNvSpPr txBox="1"/>
+          <p:nvPr/>
+        </p:nvSpPr>
+        <p:spPr>
+          <a:xfrm>
+            <a:off x="4724398" y="6262041"/>
+            <a:ext cx="2292794" cy="276999"/>
+          </a:xfrm>
+          <a:prstGeom prst="rect">
+            <a:avLst/>
+          </a:prstGeom>
+          <a:noFill/>
+        </p:spPr>
+        <p:txBody>
+          <a:bodyPr wrap="square" rtlCol="0">
+            <a:spAutoFit/>
+          </a:bodyPr>
+          <a:lstStyle/>
+          <a:p>
+            <a:pPr algn="ctr"/>
+            <a:r>
+              <a:rPr lang="hu-HU" sz="1200" dirty="0">
+                <a:solidFill>
+                  <a:schemeClr val="bg1"/>
+                </a:solidFill>
+                <a:latin typeface="Fira Mono Medium" panose="020B0609050000020004" pitchFamily="49" charset="0"/>
+                <a:ea typeface="Fira Mono Medium" panose="020B0609050000020004" pitchFamily="49" charset="0"/>
+              </a:rPr>
+              <a:t>Bemenet ellenőrzés</a:t>
+            </a:r>
+          </a:p>
+        </p:txBody>
+      </p:sp>
+      <p:sp>
+        <p:nvSpPr>
+          <p:cNvPr id="9" name="Szövegdoboz 8">
+            <a:extLst>
+              <a:ext uri="{FF2B5EF4-FFF2-40B4-BE49-F238E27FC236}">
+                <a16:creationId xmlns:a16="http://schemas.microsoft.com/office/drawing/2014/main" id="{44700990-9B86-4EE5-B67C-E122DBD630C4}"/>
+              </a:ext>
+            </a:extLst>
+          </p:cNvPr>
+          <p:cNvSpPr txBox="1"/>
+          <p:nvPr/>
+        </p:nvSpPr>
+        <p:spPr>
+          <a:xfrm>
+            <a:off x="9081229" y="6262041"/>
+            <a:ext cx="2292794" cy="276999"/>
+          </a:xfrm>
+          <a:prstGeom prst="rect">
+            <a:avLst/>
+          </a:prstGeom>
+          <a:noFill/>
+        </p:spPr>
+        <p:txBody>
+          <a:bodyPr wrap="square" rtlCol="0">
+            <a:spAutoFit/>
+          </a:bodyPr>
+          <a:lstStyle/>
+          <a:p>
+            <a:pPr algn="ctr"/>
+            <a:r>
+              <a:rPr lang="hu-HU" sz="1200" dirty="0">
+                <a:solidFill>
+                  <a:schemeClr val="bg1"/>
+                </a:solidFill>
+                <a:latin typeface="Fira Mono Medium" panose="020B0609050000020004" pitchFamily="49" charset="0"/>
+                <a:ea typeface="Fira Mono Medium" panose="020B0609050000020004" pitchFamily="49" charset="0"/>
+              </a:rPr>
+              <a:t>Átváltás függvény</a:t>
+            </a:r>
+          </a:p>
+        </p:txBody>
+      </p:sp>
+    </p:spTree>
+    <p:extLst>
+      <p:ext uri="{BB962C8B-B14F-4D97-AF65-F5344CB8AC3E}">
+        <p14:creationId xmlns:p14="http://schemas.microsoft.com/office/powerpoint/2010/main" val="700729628"/>
+      </p:ext>
+    </p:extLst>
+  </p:cSld>
+  <p:clrMapOvr>
+    <a:masterClrMapping/>
+  </p:clrMapOvr>
+  <p:transition spd="slow">
+    <p:push dir="u"/>
+  </p:transition>
+</p:sld>
+</file>
+
+<file path=ppt/slides/slide6.xml><?xml version="1.0" encoding="utf-8"?>
+<p:sld xmlns:a="http://schemas.openxmlformats.org/drawingml/2006/main" xmlns:r="http://schemas.openxmlformats.org/officeDocument/2006/relationships" xmlns:p="http://schemas.openxmlformats.org/presentationml/2006/main">
+  <p:cSld>
+    <p:bg>
+      <p:bgPr>
+        <a:solidFill>
+          <a:srgbClr val="262626"/>
+        </a:solidFill>
+        <a:effectLst/>
+      </p:bgPr>
+    </p:bg>
+    <p:spTree>
+      <p:nvGrpSpPr>
+        <p:cNvPr id="1" name=""/>
+        <p:cNvGrpSpPr/>
+        <p:nvPr/>
+      </p:nvGrpSpPr>
+      <p:grpSpPr>
+        <a:xfrm>
+          <a:off x="0" y="0"/>
+          <a:ext cx="0" cy="0"/>
+          <a:chOff x="0" y="0"/>
+          <a:chExt cx="0" cy="0"/>
+        </a:xfrm>
+      </p:grpSpPr>
+      <p:sp>
+        <p:nvSpPr>
+          <p:cNvPr id="2" name="Cím 1">
+            <a:extLst>
+              <a:ext uri="{FF2B5EF4-FFF2-40B4-BE49-F238E27FC236}">
+                <a16:creationId xmlns:a16="http://schemas.microsoft.com/office/drawing/2014/main" id="{5DA3B2CC-69EC-44E4-A5B3-D890D52DF63F}"/>
+              </a:ext>
+            </a:extLst>
+          </p:cNvPr>
+          <p:cNvSpPr>
+            <a:spLocks noGrp="1"/>
+          </p:cNvSpPr>
+          <p:nvPr>
+            <p:ph type="ctrTitle"/>
+          </p:nvPr>
+        </p:nvSpPr>
+        <p:spPr>
+          <a:xfrm>
+            <a:off x="1524000" y="1484313"/>
+            <a:ext cx="9144000" cy="2387600"/>
+          </a:xfrm>
+        </p:spPr>
+        <p:txBody>
+          <a:bodyPr/>
+          <a:lstStyle/>
+          <a:p>
+            <a:r>
+              <a:rPr lang="hu-HU" dirty="0">
+                <a:solidFill>
+                  <a:schemeClr val="bg1"/>
+                </a:solidFill>
+                <a:latin typeface="Fira Mono Medium" panose="020B0609050000020004" pitchFamily="49" charset="0"/>
+                <a:ea typeface="Fira Mono Medium" panose="020B0609050000020004" pitchFamily="49" charset="0"/>
+              </a:rPr>
+              <a:t>Köszönjük a figyelmet!</a:t>
+            </a:r>
+          </a:p>
+        </p:txBody>
+      </p:sp>
+      <p:sp>
+        <p:nvSpPr>
+          <p:cNvPr id="3" name="Alcím 2">
+            <a:extLst>
+              <a:ext uri="{FF2B5EF4-FFF2-40B4-BE49-F238E27FC236}">
+                <a16:creationId xmlns:a16="http://schemas.microsoft.com/office/drawing/2014/main" id="{1A444801-F8EE-436B-A034-F1D76560C51A}"/>
+              </a:ext>
+            </a:extLst>
+          </p:cNvPr>
+          <p:cNvSpPr>
+            <a:spLocks noGrp="1"/>
+          </p:cNvSpPr>
+          <p:nvPr>
+            <p:ph type="subTitle" idx="1"/>
+          </p:nvPr>
+        </p:nvSpPr>
+        <p:spPr>
+          <a:xfrm>
+            <a:off x="1524000" y="4764088"/>
+            <a:ext cx="9144000" cy="1655762"/>
+          </a:xfrm>
+        </p:spPr>
+        <p:txBody>
+          <a:bodyPr/>
+          <a:lstStyle/>
+          <a:p>
+            <a:r>
+              <a:rPr lang="hu-HU" dirty="0">
+                <a:solidFill>
+                  <a:schemeClr val="bg1"/>
+                </a:solidFill>
+              </a:rPr>
+              <a:t>Készítette: Kolozsvári Barnabás, Szlonkai Benedek</a:t>
+            </a:r>
+          </a:p>
+        </p:txBody>
+      </p:sp>
+    </p:spTree>
+    <p:extLst>
+      <p:ext uri="{BB962C8B-B14F-4D97-AF65-F5344CB8AC3E}">
+        <p14:creationId xmlns:p14="http://schemas.microsoft.com/office/powerpoint/2010/main" val="2621080667"/>
       </p:ext>
     </p:extLst>
   </p:cSld>
